--- a/logCenter/mails.pptx
+++ b/logCenter/mails.pptx
@@ -10,6 +10,10 @@
     <p:sldId id="258" r:id="rId4"/>
     <p:sldId id="260" r:id="rId5"/>
     <p:sldId id="261" r:id="rId6"/>
+    <p:sldId id="262" r:id="rId7"/>
+    <p:sldId id="263" r:id="rId8"/>
+    <p:sldId id="264" r:id="rId9"/>
+    <p:sldId id="265" r:id="rId10"/>
   </p:sldIdLst>
   <p:sldSz cx="9144000" cy="6858000" type="screen4x3"/>
   <p:notesSz cx="6858000" cy="9144000"/>
@@ -126,6 +130,10 @@
           <p14:sldIdLst>
             <p14:sldId id="260"/>
             <p14:sldId id="261"/>
+            <p14:sldId id="262"/>
+            <p14:sldId id="263"/>
+            <p14:sldId id="264"/>
+            <p14:sldId id="265"/>
           </p14:sldIdLst>
         </p14:section>
       </p14:sectionLst>
@@ -12087,9 +12095,43 @@
               <a:rPr lang="ja-JP" altLang="en-US"/>
               <a:t>很快将从三个新的挑战开始</a:t>
             </a:r>
-            <a:endParaRPr lang="en-US" altLang="ja-JP"/>
-          </a:p>
-          <a:p>
+            <a:endParaRPr lang="en-US" altLang="ja-JP" dirty="0"/>
+          </a:p>
+          <a:p>
+            <a:r>
+              <a:rPr lang="en-US" dirty="0"/>
+              <a:t>Bollinger</a:t>
+            </a:r>
+            <a:r>
+              <a:rPr lang="ja-JP" altLang="en-US"/>
+              <a:t>校长概述了</a:t>
+            </a:r>
+            <a:r>
+              <a:rPr lang="en-US" altLang="zh-CN" dirty="0"/>
+              <a:t>【</a:t>
+            </a:r>
+            <a:r>
+              <a:rPr lang="ja-JP" altLang="en-US"/>
+              <a:t>新学期计划</a:t>
+            </a:r>
+            <a:r>
+              <a:rPr lang="en-US" altLang="zh-CN" dirty="0"/>
+              <a:t>】</a:t>
+            </a:r>
+            <a:r>
+              <a:rPr lang="zh-CN" altLang="en-US" dirty="0"/>
+              <a:t>（</a:t>
+            </a:r>
+            <a:r>
+              <a:rPr lang="en-US" altLang="zh-CN" dirty="0">
+                <a:hlinkClick r:id="rId3"/>
+              </a:rPr>
+              <a:t>https://president.columbia.edu/news/plans-coming-academic-year</a:t>
+            </a:r>
+            <a:r>
+              <a:rPr lang="zh-CN" altLang="en-US" dirty="0"/>
+              <a:t>）</a:t>
+            </a:r>
             <a:endParaRPr lang="en-US" dirty="0"/>
           </a:p>
         </p:txBody>
@@ -12123,6 +12165,1954 @@
     <p:extLst>
       <p:ext uri="{BB962C8B-B14F-4D97-AF65-F5344CB8AC3E}">
         <p14:creationId xmlns:p14="http://schemas.microsoft.com/office/powerpoint/2010/main" val="963233400"/>
+      </p:ext>
+    </p:extLst>
+  </p:cSld>
+  <p:clrMapOvr>
+    <a:masterClrMapping/>
+  </p:clrMapOvr>
+</p:sld>
+</file>
+
+<file path=ppt/slides/slide6.xml><?xml version="1.0" encoding="utf-8"?>
+<p:sld xmlns:a="http://schemas.openxmlformats.org/drawingml/2006/main" xmlns:r="http://schemas.openxmlformats.org/officeDocument/2006/relationships" xmlns:p="http://schemas.openxmlformats.org/presentationml/2006/main">
+  <p:cSld>
+    <p:spTree>
+      <p:nvGrpSpPr>
+        <p:cNvPr id="1" name=""/>
+        <p:cNvGrpSpPr/>
+        <p:nvPr/>
+      </p:nvGrpSpPr>
+      <p:grpSpPr>
+        <a:xfrm>
+          <a:off x="0" y="0"/>
+          <a:ext cx="0" cy="0"/>
+          <a:chOff x="0" y="0"/>
+          <a:chExt cx="0" cy="0"/>
+        </a:xfrm>
+      </p:grpSpPr>
+      <p:grpSp>
+        <p:nvGrpSpPr>
+          <p:cNvPr id="25" name="Group 24">
+            <a:extLst>
+              <a:ext uri="{FF2B5EF4-FFF2-40B4-BE49-F238E27FC236}">
+                <a16:creationId xmlns:a16="http://schemas.microsoft.com/office/drawing/2014/main" id="{3C16F4CC-393D-0744-BDF7-490DDC274831}"/>
+              </a:ext>
+            </a:extLst>
+          </p:cNvPr>
+          <p:cNvGrpSpPr/>
+          <p:nvPr/>
+        </p:nvGrpSpPr>
+        <p:grpSpPr>
+          <a:xfrm>
+            <a:off x="1792002" y="1748398"/>
+            <a:ext cx="4019539" cy="2446805"/>
+            <a:chOff x="1792002" y="1748398"/>
+            <a:chExt cx="4019539" cy="2446805"/>
+          </a:xfrm>
+        </p:grpSpPr>
+        <p:grpSp>
+          <p:nvGrpSpPr>
+            <p:cNvPr id="11" name="Group 10">
+              <a:extLst>
+                <a:ext uri="{FF2B5EF4-FFF2-40B4-BE49-F238E27FC236}">
+                  <a16:creationId xmlns:a16="http://schemas.microsoft.com/office/drawing/2014/main" id="{F88A1F4A-1EC4-0F4B-9943-4E120F409ED2}"/>
+                </a:ext>
+              </a:extLst>
+            </p:cNvPr>
+            <p:cNvGrpSpPr/>
+            <p:nvPr/>
+          </p:nvGrpSpPr>
+          <p:grpSpPr>
+            <a:xfrm>
+              <a:off x="1792002" y="1748398"/>
+              <a:ext cx="4019539" cy="1107579"/>
+              <a:chOff x="1732108" y="1760220"/>
+              <a:chExt cx="4019539" cy="1107579"/>
+            </a:xfrm>
+          </p:grpSpPr>
+          <p:pic>
+            <p:nvPicPr>
+              <p:cNvPr id="3" name="Graphic 2" descr="Playbook">
+                <a:extLst>
+                  <a:ext uri="{FF2B5EF4-FFF2-40B4-BE49-F238E27FC236}">
+                    <a16:creationId xmlns:a16="http://schemas.microsoft.com/office/drawing/2014/main" id="{E762F0B8-6D20-D442-B363-3E68A77E301F}"/>
+                  </a:ext>
+                </a:extLst>
+              </p:cNvPr>
+              <p:cNvPicPr>
+                <a:picLocks noChangeAspect="1"/>
+              </p:cNvPicPr>
+              <p:nvPr/>
+            </p:nvPicPr>
+            <p:blipFill>
+              <a:blip r:embed="rId2">
+                <a:extLst>
+                  <a:ext uri="{96DAC541-7B7A-43D3-8B79-37D633B846F1}">
+                    <asvg:svgBlip xmlns:asvg="http://schemas.microsoft.com/office/drawing/2016/SVG/main" r:embed="rId3"/>
+                  </a:ext>
+                </a:extLst>
+              </a:blip>
+              <a:stretch>
+                <a:fillRect/>
+              </a:stretch>
+            </p:blipFill>
+            <p:spPr>
+              <a:xfrm>
+                <a:off x="1732108" y="1760220"/>
+                <a:ext cx="914400" cy="914400"/>
+              </a:xfrm>
+              <a:prstGeom prst="rect">
+                <a:avLst/>
+              </a:prstGeom>
+            </p:spPr>
+          </p:pic>
+          <p:sp>
+            <p:nvSpPr>
+              <p:cNvPr id="4" name="TextBox 3">
+                <a:extLst>
+                  <a:ext uri="{FF2B5EF4-FFF2-40B4-BE49-F238E27FC236}">
+                    <a16:creationId xmlns:a16="http://schemas.microsoft.com/office/drawing/2014/main" id="{EAE8DB5A-D059-D248-9E8D-CA3A833D994B}"/>
+                  </a:ext>
+                </a:extLst>
+              </p:cNvPr>
+              <p:cNvSpPr txBox="1"/>
+              <p:nvPr/>
+            </p:nvSpPr>
+            <p:spPr>
+              <a:xfrm>
+                <a:off x="1881532" y="2683133"/>
+                <a:ext cx="615553" cy="184666"/>
+              </a:xfrm>
+              <a:prstGeom prst="rect">
+                <a:avLst/>
+              </a:prstGeom>
+              <a:noFill/>
+            </p:spPr>
+            <p:txBody>
+              <a:bodyPr wrap="none" lIns="0" tIns="0" rIns="0" bIns="0" rtlCol="0">
+                <a:spAutoFit/>
+              </a:bodyPr>
+              <a:lstStyle/>
+              <a:p>
+                <a:r>
+                  <a:rPr lang="ja-JP" altLang="en-US" sz="1200"/>
+                  <a:t>暑期课程</a:t>
+                </a:r>
+                <a:endParaRPr lang="en-US" sz="1200" dirty="0"/>
+              </a:p>
+            </p:txBody>
+          </p:sp>
+          <p:pic>
+            <p:nvPicPr>
+              <p:cNvPr id="6" name="Graphic 5" descr="Teacher">
+                <a:extLst>
+                  <a:ext uri="{FF2B5EF4-FFF2-40B4-BE49-F238E27FC236}">
+                    <a16:creationId xmlns:a16="http://schemas.microsoft.com/office/drawing/2014/main" id="{5F72ACC1-6EF8-E74D-B376-DFF366FA98EC}"/>
+                  </a:ext>
+                </a:extLst>
+              </p:cNvPr>
+              <p:cNvPicPr>
+                <a:picLocks noChangeAspect="1"/>
+              </p:cNvPicPr>
+              <p:nvPr/>
+            </p:nvPicPr>
+            <p:blipFill>
+              <a:blip r:embed="rId4">
+                <a:extLst>
+                  <a:ext uri="{96DAC541-7B7A-43D3-8B79-37D633B846F1}">
+                    <asvg:svgBlip xmlns:asvg="http://schemas.microsoft.com/office/drawing/2016/SVG/main" r:embed="rId5"/>
+                  </a:ext>
+                </a:extLst>
+              </a:blip>
+              <a:stretch>
+                <a:fillRect/>
+              </a:stretch>
+            </p:blipFill>
+            <p:spPr>
+              <a:xfrm>
+                <a:off x="3284677" y="1760220"/>
+                <a:ext cx="914400" cy="914400"/>
+              </a:xfrm>
+              <a:prstGeom prst="rect">
+                <a:avLst/>
+              </a:prstGeom>
+            </p:spPr>
+          </p:pic>
+          <p:sp>
+            <p:nvSpPr>
+              <p:cNvPr id="7" name="TextBox 6">
+                <a:extLst>
+                  <a:ext uri="{FF2B5EF4-FFF2-40B4-BE49-F238E27FC236}">
+                    <a16:creationId xmlns:a16="http://schemas.microsoft.com/office/drawing/2014/main" id="{E8D89434-08A5-CE42-B648-EBD34092676C}"/>
+                  </a:ext>
+                </a:extLst>
+              </p:cNvPr>
+              <p:cNvSpPr txBox="1"/>
+              <p:nvPr/>
+            </p:nvSpPr>
+            <p:spPr>
+              <a:xfrm>
+                <a:off x="3438910" y="2683133"/>
+                <a:ext cx="605935" cy="184666"/>
+              </a:xfrm>
+              <a:prstGeom prst="rect">
+                <a:avLst/>
+              </a:prstGeom>
+              <a:noFill/>
+            </p:spPr>
+            <p:txBody>
+              <a:bodyPr wrap="none" lIns="0" tIns="0" rIns="0" bIns="0" rtlCol="0">
+                <a:spAutoFit/>
+              </a:bodyPr>
+              <a:lstStyle/>
+              <a:p>
+                <a:r>
+                  <a:rPr lang="en-US" altLang="zh-CN" sz="1200" dirty="0"/>
+                  <a:t>PDL</a:t>
+                </a:r>
+                <a:r>
+                  <a:rPr lang="ja-JP" altLang="en-US" sz="1200"/>
+                  <a:t>讲座</a:t>
+                </a:r>
+                <a:endParaRPr lang="en-US" sz="1200" dirty="0"/>
+              </a:p>
+            </p:txBody>
+          </p:sp>
+          <p:pic>
+            <p:nvPicPr>
+              <p:cNvPr id="9" name="Graphic 8" descr="Books">
+                <a:extLst>
+                  <a:ext uri="{FF2B5EF4-FFF2-40B4-BE49-F238E27FC236}">
+                    <a16:creationId xmlns:a16="http://schemas.microsoft.com/office/drawing/2014/main" id="{5DA56AD8-06EB-384B-9A42-7AF6715D18F0}"/>
+                  </a:ext>
+                </a:extLst>
+              </p:cNvPr>
+              <p:cNvPicPr>
+                <a:picLocks noChangeAspect="1"/>
+              </p:cNvPicPr>
+              <p:nvPr/>
+            </p:nvPicPr>
+            <p:blipFill>
+              <a:blip r:embed="rId6">
+                <a:extLst>
+                  <a:ext uri="{96DAC541-7B7A-43D3-8B79-37D633B846F1}">
+                    <asvg:svgBlip xmlns:asvg="http://schemas.microsoft.com/office/drawing/2016/SVG/main" r:embed="rId7"/>
+                  </a:ext>
+                </a:extLst>
+              </a:blip>
+              <a:stretch>
+                <a:fillRect/>
+              </a:stretch>
+            </p:blipFill>
+            <p:spPr>
+              <a:xfrm>
+                <a:off x="4837247" y="1760220"/>
+                <a:ext cx="914400" cy="914400"/>
+              </a:xfrm>
+              <a:prstGeom prst="rect">
+                <a:avLst/>
+              </a:prstGeom>
+            </p:spPr>
+          </p:pic>
+          <p:sp>
+            <p:nvSpPr>
+              <p:cNvPr id="10" name="TextBox 9">
+                <a:extLst>
+                  <a:ext uri="{FF2B5EF4-FFF2-40B4-BE49-F238E27FC236}">
+                    <a16:creationId xmlns:a16="http://schemas.microsoft.com/office/drawing/2014/main" id="{28D1332E-5C8F-1244-8269-691EA006B706}"/>
+                  </a:ext>
+                </a:extLst>
+              </p:cNvPr>
+              <p:cNvSpPr txBox="1"/>
+              <p:nvPr/>
+            </p:nvSpPr>
+            <p:spPr>
+              <a:xfrm>
+                <a:off x="4986670" y="2683133"/>
+                <a:ext cx="615553" cy="184666"/>
+              </a:xfrm>
+              <a:prstGeom prst="rect">
+                <a:avLst/>
+              </a:prstGeom>
+              <a:noFill/>
+            </p:spPr>
+            <p:txBody>
+              <a:bodyPr wrap="none" lIns="0" tIns="0" rIns="0" bIns="0" rtlCol="0">
+                <a:spAutoFit/>
+              </a:bodyPr>
+              <a:lstStyle/>
+              <a:p>
+                <a:r>
+                  <a:rPr lang="ja-JP" altLang="en-US" sz="1200"/>
+                  <a:t>课题研究</a:t>
+                </a:r>
+                <a:endParaRPr lang="en-US" sz="1200" dirty="0"/>
+              </a:p>
+            </p:txBody>
+          </p:sp>
+        </p:grpSp>
+        <p:sp>
+          <p:nvSpPr>
+            <p:cNvPr id="14" name="TextBox 13">
+              <a:extLst>
+                <a:ext uri="{FF2B5EF4-FFF2-40B4-BE49-F238E27FC236}">
+                  <a16:creationId xmlns:a16="http://schemas.microsoft.com/office/drawing/2014/main" id="{F12B4E64-D832-D94A-B813-48B8DF30402C}"/>
+                </a:ext>
+              </a:extLst>
+            </p:cNvPr>
+            <p:cNvSpPr txBox="1"/>
+            <p:nvPr/>
+          </p:nvSpPr>
+          <p:spPr>
+            <a:xfrm>
+              <a:off x="1941426" y="4010537"/>
+              <a:ext cx="615553" cy="184666"/>
+            </a:xfrm>
+            <a:prstGeom prst="rect">
+              <a:avLst/>
+            </a:prstGeom>
+            <a:noFill/>
+          </p:spPr>
+          <p:txBody>
+            <a:bodyPr wrap="none" lIns="0" tIns="0" rIns="0" bIns="0" rtlCol="0">
+              <a:spAutoFit/>
+            </a:bodyPr>
+            <a:lstStyle/>
+            <a:p>
+              <a:r>
+                <a:rPr lang="ja-JP" altLang="en-US" sz="1200"/>
+                <a:t>设计社区</a:t>
+              </a:r>
+              <a:endParaRPr lang="en-US" sz="1200" dirty="0"/>
+            </a:p>
+          </p:txBody>
+        </p:sp>
+        <p:sp>
+          <p:nvSpPr>
+            <p:cNvPr id="16" name="TextBox 15">
+              <a:extLst>
+                <a:ext uri="{FF2B5EF4-FFF2-40B4-BE49-F238E27FC236}">
+                  <a16:creationId xmlns:a16="http://schemas.microsoft.com/office/drawing/2014/main" id="{A4DDB031-79ED-E44B-A307-2D00AC6B07AE}"/>
+                </a:ext>
+              </a:extLst>
+            </p:cNvPr>
+            <p:cNvSpPr txBox="1"/>
+            <p:nvPr/>
+          </p:nvSpPr>
+          <p:spPr>
+            <a:xfrm>
+              <a:off x="3417051" y="4010537"/>
+              <a:ext cx="769441" cy="184666"/>
+            </a:xfrm>
+            <a:prstGeom prst="rect">
+              <a:avLst/>
+            </a:prstGeom>
+            <a:noFill/>
+          </p:spPr>
+          <p:txBody>
+            <a:bodyPr wrap="none" lIns="0" tIns="0" rIns="0" bIns="0" rtlCol="0">
+              <a:spAutoFit/>
+            </a:bodyPr>
+            <a:lstStyle/>
+            <a:p>
+              <a:r>
+                <a:rPr lang="ja-JP" altLang="en-US" sz="1200"/>
+                <a:t>高中生编程</a:t>
+              </a:r>
+              <a:endParaRPr lang="en-US" sz="1200" dirty="0"/>
+            </a:p>
+          </p:txBody>
+        </p:sp>
+        <p:sp>
+          <p:nvSpPr>
+            <p:cNvPr id="18" name="TextBox 17">
+              <a:extLst>
+                <a:ext uri="{FF2B5EF4-FFF2-40B4-BE49-F238E27FC236}">
+                  <a16:creationId xmlns:a16="http://schemas.microsoft.com/office/drawing/2014/main" id="{9901FFDD-9220-CA48-8A80-896F97A0E84F}"/>
+                </a:ext>
+              </a:extLst>
+            </p:cNvPr>
+            <p:cNvSpPr txBox="1"/>
+            <p:nvPr/>
+          </p:nvSpPr>
+          <p:spPr>
+            <a:xfrm>
+              <a:off x="5046564" y="4010537"/>
+              <a:ext cx="615553" cy="184666"/>
+            </a:xfrm>
+            <a:prstGeom prst="rect">
+              <a:avLst/>
+            </a:prstGeom>
+            <a:noFill/>
+          </p:spPr>
+          <p:txBody>
+            <a:bodyPr wrap="none" lIns="0" tIns="0" rIns="0" bIns="0" rtlCol="0">
+              <a:spAutoFit/>
+            </a:bodyPr>
+            <a:lstStyle/>
+            <a:p>
+              <a:r>
+                <a:rPr lang="ja-JP" altLang="en-US" sz="1200"/>
+                <a:t>保持联系</a:t>
+              </a:r>
+              <a:endParaRPr lang="en-US" sz="1200" dirty="0"/>
+            </a:p>
+          </p:txBody>
+        </p:sp>
+        <p:pic>
+          <p:nvPicPr>
+            <p:cNvPr id="20" name="Graphic 19" descr="Palette">
+              <a:extLst>
+                <a:ext uri="{FF2B5EF4-FFF2-40B4-BE49-F238E27FC236}">
+                  <a16:creationId xmlns:a16="http://schemas.microsoft.com/office/drawing/2014/main" id="{1782FEB2-BE2D-E84C-80A3-E5FD8DE8AB73}"/>
+                </a:ext>
+              </a:extLst>
+            </p:cNvPr>
+            <p:cNvPicPr>
+              <a:picLocks noChangeAspect="1"/>
+            </p:cNvPicPr>
+            <p:nvPr/>
+          </p:nvPicPr>
+          <p:blipFill>
+            <a:blip r:embed="rId8">
+              <a:extLst>
+                <a:ext uri="{96DAC541-7B7A-43D3-8B79-37D633B846F1}">
+                  <asvg:svgBlip xmlns:asvg="http://schemas.microsoft.com/office/drawing/2016/SVG/main" r:embed="rId9"/>
+                </a:ext>
+              </a:extLst>
+            </a:blip>
+            <a:stretch>
+              <a:fillRect/>
+            </a:stretch>
+          </p:blipFill>
+          <p:spPr>
+            <a:xfrm>
+              <a:off x="1792002" y="3087624"/>
+              <a:ext cx="914400" cy="914400"/>
+            </a:xfrm>
+            <a:prstGeom prst="rect">
+              <a:avLst/>
+            </a:prstGeom>
+          </p:spPr>
+        </p:pic>
+        <p:pic>
+          <p:nvPicPr>
+            <p:cNvPr id="22" name="Graphic 21" descr="Programmer">
+              <a:extLst>
+                <a:ext uri="{FF2B5EF4-FFF2-40B4-BE49-F238E27FC236}">
+                  <a16:creationId xmlns:a16="http://schemas.microsoft.com/office/drawing/2014/main" id="{4A090380-2EAE-4040-B21B-C6AA9208D344}"/>
+                </a:ext>
+              </a:extLst>
+            </p:cNvPr>
+            <p:cNvPicPr>
+              <a:picLocks noChangeAspect="1"/>
+            </p:cNvPicPr>
+            <p:nvPr/>
+          </p:nvPicPr>
+          <p:blipFill>
+            <a:blip r:embed="rId10">
+              <a:extLst>
+                <a:ext uri="{96DAC541-7B7A-43D3-8B79-37D633B846F1}">
+                  <asvg:svgBlip xmlns:asvg="http://schemas.microsoft.com/office/drawing/2016/SVG/main" r:embed="rId11"/>
+                </a:ext>
+              </a:extLst>
+            </a:blip>
+            <a:stretch>
+              <a:fillRect/>
+            </a:stretch>
+          </p:blipFill>
+          <p:spPr>
+            <a:xfrm>
+              <a:off x="3344571" y="3087624"/>
+              <a:ext cx="914400" cy="914400"/>
+            </a:xfrm>
+            <a:prstGeom prst="rect">
+              <a:avLst/>
+            </a:prstGeom>
+          </p:spPr>
+        </p:pic>
+        <p:pic>
+          <p:nvPicPr>
+            <p:cNvPr id="24" name="Graphic 23" descr="Connections">
+              <a:extLst>
+                <a:ext uri="{FF2B5EF4-FFF2-40B4-BE49-F238E27FC236}">
+                  <a16:creationId xmlns:a16="http://schemas.microsoft.com/office/drawing/2014/main" id="{CC5138F0-2731-BE47-BC2F-C1E9459F4ACE}"/>
+                </a:ext>
+              </a:extLst>
+            </p:cNvPr>
+            <p:cNvPicPr>
+              <a:picLocks noChangeAspect="1"/>
+            </p:cNvPicPr>
+            <p:nvPr/>
+          </p:nvPicPr>
+          <p:blipFill>
+            <a:blip r:embed="rId12">
+              <a:extLst>
+                <a:ext uri="{96DAC541-7B7A-43D3-8B79-37D633B846F1}">
+                  <asvg:svgBlip xmlns:asvg="http://schemas.microsoft.com/office/drawing/2016/SVG/main" r:embed="rId13"/>
+                </a:ext>
+              </a:extLst>
+            </a:blip>
+            <a:stretch>
+              <a:fillRect/>
+            </a:stretch>
+          </p:blipFill>
+          <p:spPr>
+            <a:xfrm>
+              <a:off x="4897141" y="3099816"/>
+              <a:ext cx="914400" cy="914400"/>
+            </a:xfrm>
+            <a:prstGeom prst="rect">
+              <a:avLst/>
+            </a:prstGeom>
+          </p:spPr>
+        </p:pic>
+      </p:grpSp>
+    </p:spTree>
+    <p:extLst>
+      <p:ext uri="{BB962C8B-B14F-4D97-AF65-F5344CB8AC3E}">
+        <p14:creationId xmlns:p14="http://schemas.microsoft.com/office/powerpoint/2010/main" val="904584318"/>
+      </p:ext>
+    </p:extLst>
+  </p:cSld>
+  <p:clrMapOvr>
+    <a:masterClrMapping/>
+  </p:clrMapOvr>
+</p:sld>
+</file>
+
+<file path=ppt/slides/slide7.xml><?xml version="1.0" encoding="utf-8"?>
+<p:sld xmlns:a="http://schemas.openxmlformats.org/drawingml/2006/main" xmlns:r="http://schemas.openxmlformats.org/officeDocument/2006/relationships" xmlns:p="http://schemas.openxmlformats.org/presentationml/2006/main">
+  <p:cSld>
+    <p:spTree>
+      <p:nvGrpSpPr>
+        <p:cNvPr id="1" name=""/>
+        <p:cNvGrpSpPr/>
+        <p:nvPr/>
+      </p:nvGrpSpPr>
+      <p:grpSpPr>
+        <a:xfrm>
+          <a:off x="0" y="0"/>
+          <a:ext cx="0" cy="0"/>
+          <a:chOff x="0" y="0"/>
+          <a:chExt cx="0" cy="0"/>
+        </a:xfrm>
+      </p:grpSpPr>
+      <p:grpSp>
+        <p:nvGrpSpPr>
+          <p:cNvPr id="10" name="Group 9">
+            <a:extLst>
+              <a:ext uri="{FF2B5EF4-FFF2-40B4-BE49-F238E27FC236}">
+                <a16:creationId xmlns:a16="http://schemas.microsoft.com/office/drawing/2014/main" id="{316D80B5-3686-A54E-BD95-495DF44ADFC7}"/>
+              </a:ext>
+            </a:extLst>
+          </p:cNvPr>
+          <p:cNvGrpSpPr/>
+          <p:nvPr/>
+        </p:nvGrpSpPr>
+        <p:grpSpPr>
+          <a:xfrm>
+            <a:off x="3535680" y="1812249"/>
+            <a:ext cx="917485" cy="917486"/>
+            <a:chOff x="2779776" y="2791968"/>
+            <a:chExt cx="2048256" cy="2048256"/>
+          </a:xfrm>
+        </p:grpSpPr>
+        <p:sp>
+          <p:nvSpPr>
+            <p:cNvPr id="5" name="Rectangle 4">
+              <a:extLst>
+                <a:ext uri="{FF2B5EF4-FFF2-40B4-BE49-F238E27FC236}">
+                  <a16:creationId xmlns:a16="http://schemas.microsoft.com/office/drawing/2014/main" id="{EB6D65E3-6197-6E4F-A250-A33F701AD1BE}"/>
+                </a:ext>
+              </a:extLst>
+            </p:cNvPr>
+            <p:cNvSpPr/>
+            <p:nvPr/>
+          </p:nvSpPr>
+          <p:spPr>
+            <a:xfrm>
+              <a:off x="2779776" y="2791968"/>
+              <a:ext cx="2048256" cy="2048256"/>
+            </a:xfrm>
+            <a:prstGeom prst="rect">
+              <a:avLst/>
+            </a:prstGeom>
+            <a:ln>
+              <a:noFill/>
+            </a:ln>
+            <a:effectLst/>
+          </p:spPr>
+          <p:style>
+            <a:lnRef idx="2">
+              <a:schemeClr val="accent1">
+                <a:shade val="50000"/>
+              </a:schemeClr>
+            </a:lnRef>
+            <a:fillRef idx="1">
+              <a:schemeClr val="accent1"/>
+            </a:fillRef>
+            <a:effectRef idx="0">
+              <a:schemeClr val="accent1"/>
+            </a:effectRef>
+            <a:fontRef idx="minor">
+              <a:schemeClr val="lt1"/>
+            </a:fontRef>
+          </p:style>
+          <p:txBody>
+            <a:bodyPr rtlCol="0" anchor="ctr"/>
+            <a:lstStyle/>
+            <a:p>
+              <a:pPr algn="ctr"/>
+              <a:endParaRPr lang="en-US" sz="1600"/>
+            </a:p>
+          </p:txBody>
+        </p:sp>
+        <p:sp>
+          <p:nvSpPr>
+            <p:cNvPr id="7" name="Rectangle 6">
+              <a:extLst>
+                <a:ext uri="{FF2B5EF4-FFF2-40B4-BE49-F238E27FC236}">
+                  <a16:creationId xmlns:a16="http://schemas.microsoft.com/office/drawing/2014/main" id="{B5E5AA3D-6E10-724E-9D81-D6653D163842}"/>
+                </a:ext>
+              </a:extLst>
+            </p:cNvPr>
+            <p:cNvSpPr/>
+            <p:nvPr/>
+          </p:nvSpPr>
+          <p:spPr>
+            <a:xfrm>
+              <a:off x="2779776" y="3429000"/>
+              <a:ext cx="2048256" cy="1411224"/>
+            </a:xfrm>
+            <a:prstGeom prst="rect">
+              <a:avLst/>
+            </a:prstGeom>
+            <a:solidFill>
+              <a:srgbClr val="FFFFFF"/>
+            </a:solidFill>
+            <a:ln>
+              <a:noFill/>
+            </a:ln>
+          </p:spPr>
+          <p:style>
+            <a:lnRef idx="2">
+              <a:schemeClr val="accent1">
+                <a:shade val="50000"/>
+              </a:schemeClr>
+            </a:lnRef>
+            <a:fillRef idx="1">
+              <a:schemeClr val="accent1"/>
+            </a:fillRef>
+            <a:effectRef idx="0">
+              <a:schemeClr val="accent1"/>
+            </a:effectRef>
+            <a:fontRef idx="minor">
+              <a:schemeClr val="lt1"/>
+            </a:fontRef>
+          </p:style>
+          <p:txBody>
+            <a:bodyPr rtlCol="0" anchor="ctr"/>
+            <a:lstStyle/>
+            <a:p>
+              <a:pPr algn="ctr"/>
+              <a:endParaRPr lang="en-US" sz="1600"/>
+            </a:p>
+          </p:txBody>
+        </p:sp>
+        <p:sp>
+          <p:nvSpPr>
+            <p:cNvPr id="8" name="TextBox 7">
+              <a:extLst>
+                <a:ext uri="{FF2B5EF4-FFF2-40B4-BE49-F238E27FC236}">
+                  <a16:creationId xmlns:a16="http://schemas.microsoft.com/office/drawing/2014/main" id="{BC1E0562-3CB5-A14F-8421-429D9A707A88}"/>
+                </a:ext>
+              </a:extLst>
+            </p:cNvPr>
+            <p:cNvSpPr txBox="1"/>
+            <p:nvPr/>
+          </p:nvSpPr>
+          <p:spPr>
+            <a:xfrm>
+              <a:off x="2779776" y="2895041"/>
+              <a:ext cx="2048256" cy="229382"/>
+            </a:xfrm>
+            <a:prstGeom prst="rect">
+              <a:avLst/>
+            </a:prstGeom>
+            <a:noFill/>
+          </p:spPr>
+          <p:txBody>
+            <a:bodyPr wrap="square" lIns="0" tIns="0" rIns="0" bIns="0" rtlCol="0">
+              <a:spAutoFit/>
+            </a:bodyPr>
+            <a:lstStyle/>
+            <a:p>
+              <a:pPr algn="ctr"/>
+              <a:r>
+                <a:rPr lang="ja-JP" altLang="en-US" sz="1200">
+                  <a:solidFill>
+                    <a:srgbClr val="FFFFFF"/>
+                  </a:solidFill>
+                </a:rPr>
+                <a:t>六月</a:t>
+              </a:r>
+              <a:endParaRPr lang="en-US" sz="1200" dirty="0">
+                <a:solidFill>
+                  <a:srgbClr val="FFFFFF"/>
+                </a:solidFill>
+              </a:endParaRPr>
+            </a:p>
+          </p:txBody>
+        </p:sp>
+        <p:sp>
+          <p:nvSpPr>
+            <p:cNvPr id="9" name="TextBox 8">
+              <a:extLst>
+                <a:ext uri="{FF2B5EF4-FFF2-40B4-BE49-F238E27FC236}">
+                  <a16:creationId xmlns:a16="http://schemas.microsoft.com/office/drawing/2014/main" id="{769899BB-6370-9746-A6A2-4B6C3AAF0803}"/>
+                </a:ext>
+              </a:extLst>
+            </p:cNvPr>
+            <p:cNvSpPr txBox="1"/>
+            <p:nvPr/>
+          </p:nvSpPr>
+          <p:spPr>
+            <a:xfrm>
+              <a:off x="3200400" y="3358566"/>
+              <a:ext cx="1207008" cy="1374202"/>
+            </a:xfrm>
+            <a:prstGeom prst="rect">
+              <a:avLst/>
+            </a:prstGeom>
+            <a:noFill/>
+          </p:spPr>
+          <p:txBody>
+            <a:bodyPr wrap="square" lIns="0" tIns="0" rIns="0" bIns="0" rtlCol="0">
+              <a:spAutoFit/>
+            </a:bodyPr>
+            <a:lstStyle/>
+            <a:p>
+              <a:pPr algn="ctr"/>
+              <a:r>
+                <a:rPr lang="en-US" altLang="zh-CN" sz="4000" dirty="0"/>
+                <a:t>8</a:t>
+              </a:r>
+              <a:endParaRPr lang="en-US" sz="4000" dirty="0"/>
+            </a:p>
+          </p:txBody>
+        </p:sp>
+      </p:grpSp>
+      <p:sp>
+        <p:nvSpPr>
+          <p:cNvPr id="11" name="TextBox 10">
+            <a:extLst>
+              <a:ext uri="{FF2B5EF4-FFF2-40B4-BE49-F238E27FC236}">
+                <a16:creationId xmlns:a16="http://schemas.microsoft.com/office/drawing/2014/main" id="{21C479DF-E2AE-374C-9946-82421E0C5595}"/>
+              </a:ext>
+            </a:extLst>
+          </p:cNvPr>
+          <p:cNvSpPr txBox="1"/>
+          <p:nvPr/>
+        </p:nvSpPr>
+        <p:spPr>
+          <a:xfrm>
+            <a:off x="2067041" y="1920765"/>
+            <a:ext cx="615553" cy="184666"/>
+          </a:xfrm>
+          <a:prstGeom prst="rect">
+            <a:avLst/>
+          </a:prstGeom>
+          <a:noFill/>
+        </p:spPr>
+        <p:txBody>
+          <a:bodyPr wrap="none" lIns="0" tIns="0" rIns="0" bIns="0" rtlCol="0">
+            <a:spAutoFit/>
+          </a:bodyPr>
+          <a:lstStyle/>
+          <a:p>
+            <a:r>
+              <a:rPr lang="ja-JP" altLang="en-US" sz="1200"/>
+              <a:t>第一部分</a:t>
+            </a:r>
+            <a:endParaRPr lang="en-US" sz="1200" dirty="0"/>
+          </a:p>
+        </p:txBody>
+      </p:sp>
+      <p:sp>
+        <p:nvSpPr>
+          <p:cNvPr id="12" name="TextBox 11">
+            <a:extLst>
+              <a:ext uri="{FF2B5EF4-FFF2-40B4-BE49-F238E27FC236}">
+                <a16:creationId xmlns:a16="http://schemas.microsoft.com/office/drawing/2014/main" id="{EBAB100F-C716-F240-8F28-689AF81C0D6F}"/>
+              </a:ext>
+            </a:extLst>
+          </p:cNvPr>
+          <p:cNvSpPr txBox="1"/>
+          <p:nvPr/>
+        </p:nvSpPr>
+        <p:spPr>
+          <a:xfrm>
+            <a:off x="1847585" y="2866166"/>
+            <a:ext cx="2724415" cy="1344131"/>
+          </a:xfrm>
+          <a:prstGeom prst="rect">
+            <a:avLst/>
+          </a:prstGeom>
+        </p:spPr>
+        <p:txBody>
+          <a:bodyPr vert="horz" lIns="0" tIns="0" rIns="0" bIns="0" rtlCol="0">
+            <a:noAutofit/>
+          </a:bodyPr>
+          <a:lstStyle>
+            <a:lvl1pPr marL="170083" indent="-170083" defTabSz="685078">
+              <a:lnSpc>
+                <a:spcPct val="120000"/>
+              </a:lnSpc>
+              <a:spcBef>
+                <a:spcPts val="1050"/>
+              </a:spcBef>
+              <a:spcAft>
+                <a:spcPts val="0"/>
+              </a:spcAft>
+              <a:buClr>
+                <a:schemeClr val="accent2"/>
+              </a:buClr>
+              <a:buFont typeface="Arial" panose="020B0604020202020204" pitchFamily="34" charset="0"/>
+              <a:buChar char="•"/>
+              <a:defRPr sz="1050" b="0" baseline="0"/>
+            </a:lvl1pPr>
+            <a:lvl2pPr marL="346108" indent="-176027" defTabSz="685078">
+              <a:lnSpc>
+                <a:spcPct val="120000"/>
+              </a:lnSpc>
+              <a:spcBef>
+                <a:spcPts val="750"/>
+              </a:spcBef>
+              <a:spcAft>
+                <a:spcPts val="0"/>
+              </a:spcAft>
+              <a:buClr>
+                <a:schemeClr val="accent2"/>
+              </a:buClr>
+              <a:buFont typeface="Arial" panose="020B0604020202020204" pitchFamily="34" charset="0"/>
+              <a:buChar char="–"/>
+              <a:defRPr sz="1050" baseline="0"/>
+            </a:lvl2pPr>
+            <a:lvl3pPr marL="514999" indent="-168893" defTabSz="685078">
+              <a:lnSpc>
+                <a:spcPct val="120000"/>
+              </a:lnSpc>
+              <a:spcBef>
+                <a:spcPts val="450"/>
+              </a:spcBef>
+              <a:spcAft>
+                <a:spcPts val="0"/>
+              </a:spcAft>
+              <a:buClr>
+                <a:schemeClr val="accent2"/>
+              </a:buClr>
+              <a:buFont typeface="Arial" panose="020B0604020202020204" pitchFamily="34" charset="0"/>
+              <a:buChar char="•"/>
+              <a:defRPr sz="1050" baseline="0"/>
+            </a:lvl3pPr>
+            <a:lvl4pPr marL="685078" indent="-170083" defTabSz="685078">
+              <a:lnSpc>
+                <a:spcPct val="120000"/>
+              </a:lnSpc>
+              <a:spcBef>
+                <a:spcPts val="450"/>
+              </a:spcBef>
+              <a:spcAft>
+                <a:spcPts val="0"/>
+              </a:spcAft>
+              <a:buClr>
+                <a:schemeClr val="accent2"/>
+              </a:buClr>
+              <a:buFont typeface="Arial" panose="020B0604020202020204" pitchFamily="34" charset="0"/>
+              <a:buChar char="–"/>
+              <a:defRPr sz="1050" baseline="0"/>
+            </a:lvl4pPr>
+            <a:lvl5pPr marL="855160" indent="-170083" defTabSz="685078">
+              <a:lnSpc>
+                <a:spcPct val="120000"/>
+              </a:lnSpc>
+              <a:spcBef>
+                <a:spcPts val="450"/>
+              </a:spcBef>
+              <a:spcAft>
+                <a:spcPts val="0"/>
+              </a:spcAft>
+              <a:buClr>
+                <a:schemeClr val="accent2"/>
+              </a:buClr>
+              <a:buFont typeface="Arial" panose="020B0604020202020204" pitchFamily="34" charset="0"/>
+              <a:buChar char="•"/>
+              <a:defRPr sz="1050" baseline="0"/>
+            </a:lvl5pPr>
+            <a:lvl6pPr marL="1883966" indent="-171270" defTabSz="685078">
+              <a:spcBef>
+                <a:spcPct val="20000"/>
+              </a:spcBef>
+              <a:buFont typeface="Arial" panose="020B0604020202020204" pitchFamily="34" charset="0"/>
+              <a:buChar char="•"/>
+              <a:defRPr sz="1500"/>
+            </a:lvl6pPr>
+            <a:lvl7pPr marL="2226506" indent="-171270" defTabSz="685078">
+              <a:spcBef>
+                <a:spcPct val="20000"/>
+              </a:spcBef>
+              <a:buFont typeface="Arial" panose="020B0604020202020204" pitchFamily="34" charset="0"/>
+              <a:buChar char="•"/>
+              <a:defRPr sz="1500"/>
+            </a:lvl7pPr>
+            <a:lvl8pPr marL="2569045" indent="-171270" defTabSz="685078">
+              <a:spcBef>
+                <a:spcPct val="20000"/>
+              </a:spcBef>
+              <a:buFont typeface="Arial" panose="020B0604020202020204" pitchFamily="34" charset="0"/>
+              <a:buChar char="•"/>
+              <a:defRPr sz="1500"/>
+            </a:lvl8pPr>
+            <a:lvl9pPr marL="2911583" indent="-171270" defTabSz="685078">
+              <a:spcBef>
+                <a:spcPct val="20000"/>
+              </a:spcBef>
+              <a:buFont typeface="Arial" panose="020B0604020202020204" pitchFamily="34" charset="0"/>
+              <a:buChar char="•"/>
+              <a:defRPr sz="1500"/>
+            </a:lvl9pPr>
+          </a:lstStyle>
+          <a:p>
+            <a:r>
+              <a:rPr lang="ja-JP" altLang="en-US" sz="1200"/>
+              <a:t>通过创新的储能应用减缓气候变化</a:t>
+            </a:r>
+            <a:endParaRPr lang="en-US" altLang="ja-JP" sz="1200" dirty="0"/>
+          </a:p>
+          <a:p>
+            <a:r>
+              <a:rPr lang="ja-JP" altLang="en-US" sz="1200"/>
+              <a:t>加速大规模疫苗生产以应对大流行</a:t>
+            </a:r>
+            <a:endParaRPr lang="en-US" altLang="ja-JP" sz="1200" dirty="0"/>
+          </a:p>
+          <a:p>
+            <a:r>
+              <a:rPr lang="ja-JP" altLang="en-US" sz="1200"/>
+              <a:t>后疫情的交通运输</a:t>
+            </a:r>
+            <a:endParaRPr lang="en-US" sz="1200" dirty="0"/>
+          </a:p>
+        </p:txBody>
+      </p:sp>
+      <p:grpSp>
+        <p:nvGrpSpPr>
+          <p:cNvPr id="13" name="Group 12">
+            <a:extLst>
+              <a:ext uri="{FF2B5EF4-FFF2-40B4-BE49-F238E27FC236}">
+                <a16:creationId xmlns:a16="http://schemas.microsoft.com/office/drawing/2014/main" id="{E7F27565-DD22-724E-9DB7-31263374D3E8}"/>
+              </a:ext>
+            </a:extLst>
+          </p:cNvPr>
+          <p:cNvGrpSpPr/>
+          <p:nvPr/>
+        </p:nvGrpSpPr>
+        <p:grpSpPr>
+          <a:xfrm>
+            <a:off x="6837672" y="2947151"/>
+            <a:ext cx="917485" cy="917486"/>
+            <a:chOff x="2779776" y="2791968"/>
+            <a:chExt cx="2048256" cy="2048256"/>
+          </a:xfrm>
+        </p:grpSpPr>
+        <p:sp>
+          <p:nvSpPr>
+            <p:cNvPr id="14" name="Rectangle 13">
+              <a:extLst>
+                <a:ext uri="{FF2B5EF4-FFF2-40B4-BE49-F238E27FC236}">
+                  <a16:creationId xmlns:a16="http://schemas.microsoft.com/office/drawing/2014/main" id="{6B546EC0-46CE-0448-87CC-22A24B7F7D1D}"/>
+                </a:ext>
+              </a:extLst>
+            </p:cNvPr>
+            <p:cNvSpPr/>
+            <p:nvPr/>
+          </p:nvSpPr>
+          <p:spPr>
+            <a:xfrm>
+              <a:off x="2779776" y="2791968"/>
+              <a:ext cx="2048256" cy="2048256"/>
+            </a:xfrm>
+            <a:prstGeom prst="rect">
+              <a:avLst/>
+            </a:prstGeom>
+            <a:ln>
+              <a:noFill/>
+            </a:ln>
+            <a:effectLst/>
+          </p:spPr>
+          <p:style>
+            <a:lnRef idx="2">
+              <a:schemeClr val="accent1">
+                <a:shade val="50000"/>
+              </a:schemeClr>
+            </a:lnRef>
+            <a:fillRef idx="1">
+              <a:schemeClr val="accent1"/>
+            </a:fillRef>
+            <a:effectRef idx="0">
+              <a:schemeClr val="accent1"/>
+            </a:effectRef>
+            <a:fontRef idx="minor">
+              <a:schemeClr val="lt1"/>
+            </a:fontRef>
+          </p:style>
+          <p:txBody>
+            <a:bodyPr rtlCol="0" anchor="ctr"/>
+            <a:lstStyle/>
+            <a:p>
+              <a:pPr algn="ctr"/>
+              <a:endParaRPr lang="en-US" sz="1600"/>
+            </a:p>
+          </p:txBody>
+        </p:sp>
+        <p:sp>
+          <p:nvSpPr>
+            <p:cNvPr id="15" name="Rectangle 14">
+              <a:extLst>
+                <a:ext uri="{FF2B5EF4-FFF2-40B4-BE49-F238E27FC236}">
+                  <a16:creationId xmlns:a16="http://schemas.microsoft.com/office/drawing/2014/main" id="{289A0382-EF63-8944-8408-928645EEECE2}"/>
+                </a:ext>
+              </a:extLst>
+            </p:cNvPr>
+            <p:cNvSpPr/>
+            <p:nvPr/>
+          </p:nvSpPr>
+          <p:spPr>
+            <a:xfrm>
+              <a:off x="2779776" y="3429000"/>
+              <a:ext cx="2048256" cy="1411224"/>
+            </a:xfrm>
+            <a:prstGeom prst="rect">
+              <a:avLst/>
+            </a:prstGeom>
+            <a:solidFill>
+              <a:srgbClr val="FFFFFF"/>
+            </a:solidFill>
+            <a:ln>
+              <a:noFill/>
+            </a:ln>
+          </p:spPr>
+          <p:style>
+            <a:lnRef idx="2">
+              <a:schemeClr val="accent1">
+                <a:shade val="50000"/>
+              </a:schemeClr>
+            </a:lnRef>
+            <a:fillRef idx="1">
+              <a:schemeClr val="accent1"/>
+            </a:fillRef>
+            <a:effectRef idx="0">
+              <a:schemeClr val="accent1"/>
+            </a:effectRef>
+            <a:fontRef idx="minor">
+              <a:schemeClr val="lt1"/>
+            </a:fontRef>
+          </p:style>
+          <p:txBody>
+            <a:bodyPr rtlCol="0" anchor="ctr"/>
+            <a:lstStyle/>
+            <a:p>
+              <a:pPr algn="ctr"/>
+              <a:endParaRPr lang="en-US" sz="1600"/>
+            </a:p>
+          </p:txBody>
+        </p:sp>
+        <p:sp>
+          <p:nvSpPr>
+            <p:cNvPr id="16" name="TextBox 15">
+              <a:extLst>
+                <a:ext uri="{FF2B5EF4-FFF2-40B4-BE49-F238E27FC236}">
+                  <a16:creationId xmlns:a16="http://schemas.microsoft.com/office/drawing/2014/main" id="{0B4ACA38-5BF6-AD44-891C-768668FEAC84}"/>
+                </a:ext>
+              </a:extLst>
+            </p:cNvPr>
+            <p:cNvSpPr txBox="1"/>
+            <p:nvPr/>
+          </p:nvSpPr>
+          <p:spPr>
+            <a:xfrm>
+              <a:off x="2779776" y="2895041"/>
+              <a:ext cx="2048256" cy="412261"/>
+            </a:xfrm>
+            <a:prstGeom prst="rect">
+              <a:avLst/>
+            </a:prstGeom>
+            <a:noFill/>
+          </p:spPr>
+          <p:txBody>
+            <a:bodyPr wrap="square" lIns="0" tIns="0" rIns="0" bIns="0" rtlCol="0">
+              <a:spAutoFit/>
+            </a:bodyPr>
+            <a:lstStyle/>
+            <a:p>
+              <a:pPr algn="ctr"/>
+              <a:r>
+                <a:rPr lang="ja-JP" altLang="en-US" sz="1200">
+                  <a:solidFill>
+                    <a:srgbClr val="FFFFFF"/>
+                  </a:solidFill>
+                </a:rPr>
+                <a:t>七月</a:t>
+              </a:r>
+              <a:endParaRPr lang="en-US" sz="1200" dirty="0">
+                <a:solidFill>
+                  <a:srgbClr val="FFFFFF"/>
+                </a:solidFill>
+              </a:endParaRPr>
+            </a:p>
+          </p:txBody>
+        </p:sp>
+        <p:sp>
+          <p:nvSpPr>
+            <p:cNvPr id="17" name="TextBox 16">
+              <a:extLst>
+                <a:ext uri="{FF2B5EF4-FFF2-40B4-BE49-F238E27FC236}">
+                  <a16:creationId xmlns:a16="http://schemas.microsoft.com/office/drawing/2014/main" id="{20A7A954-5AA8-FF48-BBBA-103CBDF46C10}"/>
+                </a:ext>
+              </a:extLst>
+            </p:cNvPr>
+            <p:cNvSpPr txBox="1"/>
+            <p:nvPr/>
+          </p:nvSpPr>
+          <p:spPr>
+            <a:xfrm>
+              <a:off x="3200400" y="3358566"/>
+              <a:ext cx="1207008" cy="1374201"/>
+            </a:xfrm>
+            <a:prstGeom prst="rect">
+              <a:avLst/>
+            </a:prstGeom>
+            <a:noFill/>
+          </p:spPr>
+          <p:txBody>
+            <a:bodyPr wrap="square" lIns="0" tIns="0" rIns="0" bIns="0" rtlCol="0">
+              <a:spAutoFit/>
+            </a:bodyPr>
+            <a:lstStyle/>
+            <a:p>
+              <a:pPr algn="ctr"/>
+              <a:r>
+                <a:rPr lang="en-US" altLang="zh-CN" sz="4000" dirty="0"/>
+                <a:t>6</a:t>
+              </a:r>
+              <a:endParaRPr lang="en-US" sz="4000" dirty="0"/>
+            </a:p>
+          </p:txBody>
+        </p:sp>
+      </p:grpSp>
+      <p:sp>
+        <p:nvSpPr>
+          <p:cNvPr id="18" name="TextBox 17">
+            <a:extLst>
+              <a:ext uri="{FF2B5EF4-FFF2-40B4-BE49-F238E27FC236}">
+                <a16:creationId xmlns:a16="http://schemas.microsoft.com/office/drawing/2014/main" id="{DDEFBCAA-6D1C-A249-8EA8-60EC9958DE57}"/>
+              </a:ext>
+            </a:extLst>
+          </p:cNvPr>
+          <p:cNvSpPr txBox="1"/>
+          <p:nvPr/>
+        </p:nvSpPr>
+        <p:spPr>
+          <a:xfrm>
+            <a:off x="5369033" y="3055667"/>
+            <a:ext cx="615553" cy="184666"/>
+          </a:xfrm>
+          <a:prstGeom prst="rect">
+            <a:avLst/>
+          </a:prstGeom>
+          <a:noFill/>
+        </p:spPr>
+        <p:txBody>
+          <a:bodyPr wrap="none" lIns="0" tIns="0" rIns="0" bIns="0" rtlCol="0">
+            <a:spAutoFit/>
+          </a:bodyPr>
+          <a:lstStyle/>
+          <a:p>
+            <a:r>
+              <a:rPr lang="ja-JP" altLang="en-US" sz="1200"/>
+              <a:t>第二部分</a:t>
+            </a:r>
+            <a:endParaRPr lang="en-US" sz="1200" dirty="0"/>
+          </a:p>
+        </p:txBody>
+      </p:sp>
+      <p:sp>
+        <p:nvSpPr>
+          <p:cNvPr id="19" name="TextBox 18">
+            <a:extLst>
+              <a:ext uri="{FF2B5EF4-FFF2-40B4-BE49-F238E27FC236}">
+                <a16:creationId xmlns:a16="http://schemas.microsoft.com/office/drawing/2014/main" id="{8BDBC93C-C332-0242-A280-9E36961ED7E5}"/>
+              </a:ext>
+            </a:extLst>
+          </p:cNvPr>
+          <p:cNvSpPr txBox="1"/>
+          <p:nvPr/>
+        </p:nvSpPr>
+        <p:spPr>
+          <a:xfrm>
+            <a:off x="5076425" y="4062028"/>
+            <a:ext cx="3067831" cy="1344131"/>
+          </a:xfrm>
+          <a:prstGeom prst="rect">
+            <a:avLst/>
+          </a:prstGeom>
+        </p:spPr>
+        <p:txBody>
+          <a:bodyPr vert="horz" lIns="0" tIns="0" rIns="0" bIns="0" rtlCol="0">
+            <a:noAutofit/>
+          </a:bodyPr>
+          <a:lstStyle>
+            <a:lvl1pPr marL="170083" indent="-170083" defTabSz="685078">
+              <a:lnSpc>
+                <a:spcPct val="120000"/>
+              </a:lnSpc>
+              <a:spcBef>
+                <a:spcPts val="1050"/>
+              </a:spcBef>
+              <a:spcAft>
+                <a:spcPts val="0"/>
+              </a:spcAft>
+              <a:buClr>
+                <a:schemeClr val="accent2"/>
+              </a:buClr>
+              <a:buFont typeface="Arial" panose="020B0604020202020204" pitchFamily="34" charset="0"/>
+              <a:buChar char="•"/>
+              <a:defRPr sz="1050" b="0" baseline="0"/>
+            </a:lvl1pPr>
+            <a:lvl2pPr marL="346108" indent="-176027" defTabSz="685078">
+              <a:lnSpc>
+                <a:spcPct val="120000"/>
+              </a:lnSpc>
+              <a:spcBef>
+                <a:spcPts val="750"/>
+              </a:spcBef>
+              <a:spcAft>
+                <a:spcPts val="0"/>
+              </a:spcAft>
+              <a:buClr>
+                <a:schemeClr val="accent2"/>
+              </a:buClr>
+              <a:buFont typeface="Arial" panose="020B0604020202020204" pitchFamily="34" charset="0"/>
+              <a:buChar char="–"/>
+              <a:defRPr sz="1050" baseline="0"/>
+            </a:lvl2pPr>
+            <a:lvl3pPr marL="514999" indent="-168893" defTabSz="685078">
+              <a:lnSpc>
+                <a:spcPct val="120000"/>
+              </a:lnSpc>
+              <a:spcBef>
+                <a:spcPts val="450"/>
+              </a:spcBef>
+              <a:spcAft>
+                <a:spcPts val="0"/>
+              </a:spcAft>
+              <a:buClr>
+                <a:schemeClr val="accent2"/>
+              </a:buClr>
+              <a:buFont typeface="Arial" panose="020B0604020202020204" pitchFamily="34" charset="0"/>
+              <a:buChar char="•"/>
+              <a:defRPr sz="1050" baseline="0"/>
+            </a:lvl3pPr>
+            <a:lvl4pPr marL="685078" indent="-170083" defTabSz="685078">
+              <a:lnSpc>
+                <a:spcPct val="120000"/>
+              </a:lnSpc>
+              <a:spcBef>
+                <a:spcPts val="450"/>
+              </a:spcBef>
+              <a:spcAft>
+                <a:spcPts val="0"/>
+              </a:spcAft>
+              <a:buClr>
+                <a:schemeClr val="accent2"/>
+              </a:buClr>
+              <a:buFont typeface="Arial" panose="020B0604020202020204" pitchFamily="34" charset="0"/>
+              <a:buChar char="–"/>
+              <a:defRPr sz="1050" baseline="0"/>
+            </a:lvl4pPr>
+            <a:lvl5pPr marL="855160" indent="-170083" defTabSz="685078">
+              <a:lnSpc>
+                <a:spcPct val="120000"/>
+              </a:lnSpc>
+              <a:spcBef>
+                <a:spcPts val="450"/>
+              </a:spcBef>
+              <a:spcAft>
+                <a:spcPts val="0"/>
+              </a:spcAft>
+              <a:buClr>
+                <a:schemeClr val="accent2"/>
+              </a:buClr>
+              <a:buFont typeface="Arial" panose="020B0604020202020204" pitchFamily="34" charset="0"/>
+              <a:buChar char="•"/>
+              <a:defRPr sz="1050" baseline="0"/>
+            </a:lvl5pPr>
+            <a:lvl6pPr marL="1883966" indent="-171270" defTabSz="685078">
+              <a:spcBef>
+                <a:spcPct val="20000"/>
+              </a:spcBef>
+              <a:buFont typeface="Arial" panose="020B0604020202020204" pitchFamily="34" charset="0"/>
+              <a:buChar char="•"/>
+              <a:defRPr sz="1500"/>
+            </a:lvl6pPr>
+            <a:lvl7pPr marL="2226506" indent="-171270" defTabSz="685078">
+              <a:spcBef>
+                <a:spcPct val="20000"/>
+              </a:spcBef>
+              <a:buFont typeface="Arial" panose="020B0604020202020204" pitchFamily="34" charset="0"/>
+              <a:buChar char="•"/>
+              <a:defRPr sz="1500"/>
+            </a:lvl7pPr>
+            <a:lvl8pPr marL="2569045" indent="-171270" defTabSz="685078">
+              <a:spcBef>
+                <a:spcPct val="20000"/>
+              </a:spcBef>
+              <a:buFont typeface="Arial" panose="020B0604020202020204" pitchFamily="34" charset="0"/>
+              <a:buChar char="•"/>
+              <a:defRPr sz="1500"/>
+            </a:lvl8pPr>
+            <a:lvl9pPr marL="2911583" indent="-171270" defTabSz="685078">
+              <a:spcBef>
+                <a:spcPct val="20000"/>
+              </a:spcBef>
+              <a:buFont typeface="Arial" panose="020B0604020202020204" pitchFamily="34" charset="0"/>
+              <a:buChar char="•"/>
+              <a:defRPr sz="1500"/>
+            </a:lvl9pPr>
+          </a:lstStyle>
+          <a:p>
+            <a:r>
+              <a:rPr lang="ja-JP" altLang="en-US" sz="1200"/>
+              <a:t>在由</a:t>
+            </a:r>
+            <a:r>
+              <a:rPr lang="en-US" altLang="ja-JP" sz="1200" dirty="0"/>
+              <a:t>COVID-19</a:t>
+            </a:r>
+            <a:r>
+              <a:rPr lang="ja-JP" altLang="en-US" sz="1200"/>
+              <a:t>塑造的世界中减少不平等</a:t>
+            </a:r>
+            <a:endParaRPr lang="en-US" altLang="ja-JP" sz="1200" dirty="0"/>
+          </a:p>
+          <a:p>
+            <a:r>
+              <a:rPr lang="ja-JP" altLang="en-US" sz="1200"/>
+              <a:t>在由</a:t>
+            </a:r>
+            <a:r>
+              <a:rPr lang="en-US" altLang="ja-JP" sz="1200" dirty="0"/>
+              <a:t>COVID-19</a:t>
+            </a:r>
+            <a:r>
+              <a:rPr lang="ja-JP" altLang="en-US" sz="1200"/>
+              <a:t>塑造的世界中促进社会互动</a:t>
+            </a:r>
+            <a:endParaRPr lang="en-US" altLang="ja-JP" sz="1200" dirty="0"/>
+          </a:p>
+          <a:p>
+            <a:r>
+              <a:rPr lang="ja-JP" altLang="en-US" sz="1200"/>
+              <a:t>更安全的医疗和</a:t>
+            </a:r>
+            <a:r>
+              <a:rPr lang="en-US" altLang="ja-JP" sz="1200" dirty="0"/>
+              <a:t>COVID-19</a:t>
+            </a:r>
+            <a:endParaRPr lang="en-US" sz="1200" dirty="0"/>
+          </a:p>
+        </p:txBody>
+      </p:sp>
+    </p:spTree>
+    <p:extLst>
+      <p:ext uri="{BB962C8B-B14F-4D97-AF65-F5344CB8AC3E}">
+        <p14:creationId xmlns:p14="http://schemas.microsoft.com/office/powerpoint/2010/main" val="2548164324"/>
+      </p:ext>
+    </p:extLst>
+  </p:cSld>
+  <p:clrMapOvr>
+    <a:masterClrMapping/>
+  </p:clrMapOvr>
+</p:sld>
+</file>
+
+<file path=ppt/slides/slide8.xml><?xml version="1.0" encoding="utf-8"?>
+<p:sld xmlns:a="http://schemas.openxmlformats.org/drawingml/2006/main" xmlns:r="http://schemas.openxmlformats.org/officeDocument/2006/relationships" xmlns:p="http://schemas.openxmlformats.org/presentationml/2006/main">
+  <p:cSld>
+    <p:spTree>
+      <p:nvGrpSpPr>
+        <p:cNvPr id="1" name=""/>
+        <p:cNvGrpSpPr/>
+        <p:nvPr/>
+      </p:nvGrpSpPr>
+      <p:grpSpPr>
+        <a:xfrm>
+          <a:off x="0" y="0"/>
+          <a:ext cx="0" cy="0"/>
+          <a:chOff x="0" y="0"/>
+          <a:chExt cx="0" cy="0"/>
+        </a:xfrm>
+      </p:grpSpPr>
+      <p:sp>
+        <p:nvSpPr>
+          <p:cNvPr id="2" name="Text Placeholder 1">
+            <a:extLst>
+              <a:ext uri="{FF2B5EF4-FFF2-40B4-BE49-F238E27FC236}">
+                <a16:creationId xmlns:a16="http://schemas.microsoft.com/office/drawing/2014/main" id="{571A1F54-14C7-FF4E-A299-7DA03B6A4981}"/>
+              </a:ext>
+            </a:extLst>
+          </p:cNvPr>
+          <p:cNvSpPr>
+            <a:spLocks noGrp="1"/>
+          </p:cNvSpPr>
+          <p:nvPr>
+            <p:ph type="body" sz="quarter" idx="1"/>
+          </p:nvPr>
+        </p:nvSpPr>
+        <p:spPr/>
+        <p:txBody>
+          <a:bodyPr/>
+          <a:lstStyle/>
+          <a:p>
+            <a:endParaRPr lang="en-US" dirty="0"/>
+          </a:p>
+        </p:txBody>
+      </p:sp>
+      <p:sp>
+        <p:nvSpPr>
+          <p:cNvPr id="3" name="Title 2">
+            <a:extLst>
+              <a:ext uri="{FF2B5EF4-FFF2-40B4-BE49-F238E27FC236}">
+                <a16:creationId xmlns:a16="http://schemas.microsoft.com/office/drawing/2014/main" id="{73FE6B03-B483-2B46-8819-D140148562BD}"/>
+              </a:ext>
+            </a:extLst>
+          </p:cNvPr>
+          <p:cNvSpPr>
+            <a:spLocks noGrp="1"/>
+          </p:cNvSpPr>
+          <p:nvPr>
+            <p:ph type="title"/>
+          </p:nvPr>
+        </p:nvSpPr>
+        <p:spPr/>
+        <p:txBody>
+          <a:bodyPr/>
+          <a:lstStyle/>
+          <a:p>
+            <a:r>
+              <a:rPr lang="en-US" dirty="0"/>
+              <a:t>Research Ramp-Up</a:t>
+            </a:r>
+            <a:r>
+              <a:rPr lang="zh-CN" altLang="en-US" dirty="0"/>
+              <a:t> </a:t>
+            </a:r>
+            <a:r>
+              <a:rPr lang="ja-JP" altLang="en-US"/>
+              <a:t>研究增加</a:t>
+            </a:r>
+            <a:endParaRPr lang="en-US" dirty="0"/>
+          </a:p>
+        </p:txBody>
+      </p:sp>
+    </p:spTree>
+    <p:extLst>
+      <p:ext uri="{BB962C8B-B14F-4D97-AF65-F5344CB8AC3E}">
+        <p14:creationId xmlns:p14="http://schemas.microsoft.com/office/powerpoint/2010/main" val="3648216435"/>
+      </p:ext>
+    </p:extLst>
+  </p:cSld>
+  <p:clrMapOvr>
+    <a:masterClrMapping/>
+  </p:clrMapOvr>
+</p:sld>
+</file>
+
+<file path=ppt/slides/slide9.xml><?xml version="1.0" encoding="utf-8"?>
+<p:sld xmlns:a="http://schemas.openxmlformats.org/drawingml/2006/main" xmlns:r="http://schemas.openxmlformats.org/officeDocument/2006/relationships" xmlns:p="http://schemas.openxmlformats.org/presentationml/2006/main">
+  <p:cSld>
+    <p:spTree>
+      <p:nvGrpSpPr>
+        <p:cNvPr id="1" name=""/>
+        <p:cNvGrpSpPr/>
+        <p:nvPr/>
+      </p:nvGrpSpPr>
+      <p:grpSpPr>
+        <a:xfrm>
+          <a:off x="0" y="0"/>
+          <a:ext cx="0" cy="0"/>
+          <a:chOff x="0" y="0"/>
+          <a:chExt cx="0" cy="0"/>
+        </a:xfrm>
+      </p:grpSpPr>
+      <p:sp>
+        <p:nvSpPr>
+          <p:cNvPr id="3" name="TextBox 2">
+            <a:extLst>
+              <a:ext uri="{FF2B5EF4-FFF2-40B4-BE49-F238E27FC236}">
+                <a16:creationId xmlns:a16="http://schemas.microsoft.com/office/drawing/2014/main" id="{B407A12C-F5AD-AD4B-B9EF-354A4AB12432}"/>
+              </a:ext>
+            </a:extLst>
+          </p:cNvPr>
+          <p:cNvSpPr txBox="1"/>
+          <p:nvPr/>
+        </p:nvSpPr>
+        <p:spPr>
+          <a:xfrm>
+            <a:off x="341376" y="573024"/>
+            <a:ext cx="5888736" cy="2123658"/>
+          </a:xfrm>
+          <a:prstGeom prst="rect">
+            <a:avLst/>
+          </a:prstGeom>
+          <a:noFill/>
+        </p:spPr>
+        <p:txBody>
+          <a:bodyPr wrap="square" lIns="0" tIns="0" rIns="0" bIns="0" rtlCol="0">
+            <a:spAutoFit/>
+          </a:bodyPr>
+          <a:lstStyle/>
+          <a:p>
+            <a:r>
+              <a:rPr lang="en-US" dirty="0"/>
+              <a:t>Calendar Dates:</a:t>
+            </a:r>
+          </a:p>
+          <a:p>
+            <a:r>
+              <a:rPr lang="en-US" dirty="0"/>
+              <a:t>·      </a:t>
+            </a:r>
+            <a:r>
+              <a:rPr lang="en-US" b="1" dirty="0"/>
+              <a:t>Fall:</a:t>
+            </a:r>
+            <a:r>
+              <a:rPr lang="en-US" dirty="0"/>
+              <a:t>  September 8 – December 23</a:t>
+            </a:r>
+          </a:p>
+          <a:p>
+            <a:r>
+              <a:rPr lang="en-US" dirty="0"/>
+              <a:t>·      </a:t>
+            </a:r>
+            <a:r>
+              <a:rPr lang="en-US" b="1" dirty="0"/>
+              <a:t>Fall B:</a:t>
+            </a:r>
+            <a:r>
+              <a:rPr lang="en-US" dirty="0"/>
+              <a:t>  October 26 -December 23 for select upper level and graduate courses </a:t>
+            </a:r>
+          </a:p>
+          <a:p>
+            <a:r>
+              <a:rPr lang="en-US" dirty="0"/>
+              <a:t>·      </a:t>
+            </a:r>
+            <a:r>
+              <a:rPr lang="en-US" b="1" dirty="0"/>
+              <a:t>Spring:</a:t>
+            </a:r>
+            <a:r>
+              <a:rPr lang="en-US" dirty="0"/>
+              <a:t>  January 11 – April 26</a:t>
+            </a:r>
+          </a:p>
+          <a:p>
+            <a:r>
+              <a:rPr lang="en-US" dirty="0"/>
+              <a:t>·      </a:t>
+            </a:r>
+            <a:r>
+              <a:rPr lang="en-US" b="1" dirty="0"/>
+              <a:t>Summer A:</a:t>
+            </a:r>
+            <a:r>
+              <a:rPr lang="en-US" dirty="0"/>
+              <a:t>  May 3 – June 14</a:t>
+            </a:r>
+          </a:p>
+          <a:p>
+            <a:r>
+              <a:rPr lang="en-US" dirty="0"/>
+              <a:t>·      </a:t>
+            </a:r>
+            <a:r>
+              <a:rPr lang="en-US" b="1" dirty="0"/>
+              <a:t>Summer B:</a:t>
+            </a:r>
+            <a:r>
+              <a:rPr lang="en-US" dirty="0"/>
+              <a:t>  June 28 – August 16</a:t>
+            </a:r>
+          </a:p>
+          <a:p>
+            <a:endParaRPr lang="en-US" sz="1200" dirty="0"/>
+          </a:p>
+        </p:txBody>
+      </p:sp>
+      <p:sp>
+        <p:nvSpPr>
+          <p:cNvPr id="4" name="TextBox 3">
+            <a:extLst>
+              <a:ext uri="{FF2B5EF4-FFF2-40B4-BE49-F238E27FC236}">
+                <a16:creationId xmlns:a16="http://schemas.microsoft.com/office/drawing/2014/main" id="{3E048D30-609D-3B49-A8FE-DDF8DA51A2F5}"/>
+              </a:ext>
+            </a:extLst>
+          </p:cNvPr>
+          <p:cNvSpPr txBox="1"/>
+          <p:nvPr/>
+        </p:nvSpPr>
+        <p:spPr>
+          <a:xfrm>
+            <a:off x="3547872" y="3651504"/>
+            <a:ext cx="153888" cy="184666"/>
+          </a:xfrm>
+          <a:prstGeom prst="rect">
+            <a:avLst/>
+          </a:prstGeom>
+          <a:noFill/>
+        </p:spPr>
+        <p:txBody>
+          <a:bodyPr wrap="none" lIns="0" tIns="0" rIns="0" bIns="0" rtlCol="0">
+            <a:spAutoFit/>
+          </a:bodyPr>
+          <a:lstStyle/>
+          <a:p>
+            <a:r>
+              <a:rPr lang="ja-JP" altLang="en-US" sz="1200">
+                <a:solidFill>
+                  <a:srgbClr val="00B0F0"/>
+                </a:solidFill>
+              </a:rPr>
+              <a:t>日</a:t>
+            </a:r>
+            <a:endParaRPr lang="en-US" sz="1200" dirty="0">
+              <a:solidFill>
+                <a:srgbClr val="00B0F0"/>
+              </a:solidFill>
+            </a:endParaRPr>
+          </a:p>
+        </p:txBody>
+      </p:sp>
+      <p:sp>
+        <p:nvSpPr>
+          <p:cNvPr id="5" name="TextBox 4">
+            <a:extLst>
+              <a:ext uri="{FF2B5EF4-FFF2-40B4-BE49-F238E27FC236}">
+                <a16:creationId xmlns:a16="http://schemas.microsoft.com/office/drawing/2014/main" id="{BC9D0F8F-53D9-0B4C-954C-268F1DCD96A0}"/>
+              </a:ext>
+            </a:extLst>
+          </p:cNvPr>
+          <p:cNvSpPr txBox="1"/>
+          <p:nvPr/>
+        </p:nvSpPr>
+        <p:spPr>
+          <a:xfrm>
+            <a:off x="3850640" y="3651504"/>
+            <a:ext cx="153888" cy="184666"/>
+          </a:xfrm>
+          <a:prstGeom prst="rect">
+            <a:avLst/>
+          </a:prstGeom>
+          <a:noFill/>
+        </p:spPr>
+        <p:txBody>
+          <a:bodyPr wrap="none" lIns="0" tIns="0" rIns="0" bIns="0" rtlCol="0">
+            <a:spAutoFit/>
+          </a:bodyPr>
+          <a:lstStyle/>
+          <a:p>
+            <a:r>
+              <a:rPr lang="ja-JP" altLang="en-US" sz="1200">
+                <a:solidFill>
+                  <a:srgbClr val="00B0F0"/>
+                </a:solidFill>
+              </a:rPr>
+              <a:t>一</a:t>
+            </a:r>
+            <a:endParaRPr lang="en-US" sz="1200" dirty="0">
+              <a:solidFill>
+                <a:srgbClr val="00B0F0"/>
+              </a:solidFill>
+            </a:endParaRPr>
+          </a:p>
+        </p:txBody>
+      </p:sp>
+      <p:sp>
+        <p:nvSpPr>
+          <p:cNvPr id="6" name="TextBox 5">
+            <a:extLst>
+              <a:ext uri="{FF2B5EF4-FFF2-40B4-BE49-F238E27FC236}">
+                <a16:creationId xmlns:a16="http://schemas.microsoft.com/office/drawing/2014/main" id="{8755CD04-F0C3-884C-AAFD-3F5FA46EC5BF}"/>
+              </a:ext>
+            </a:extLst>
+          </p:cNvPr>
+          <p:cNvSpPr txBox="1"/>
+          <p:nvPr/>
+        </p:nvSpPr>
+        <p:spPr>
+          <a:xfrm>
+            <a:off x="4129024" y="3651504"/>
+            <a:ext cx="153888" cy="184666"/>
+          </a:xfrm>
+          <a:prstGeom prst="rect">
+            <a:avLst/>
+          </a:prstGeom>
+          <a:noFill/>
+        </p:spPr>
+        <p:txBody>
+          <a:bodyPr wrap="none" lIns="0" tIns="0" rIns="0" bIns="0" rtlCol="0">
+            <a:spAutoFit/>
+          </a:bodyPr>
+          <a:lstStyle/>
+          <a:p>
+            <a:r>
+              <a:rPr lang="ja-JP" altLang="en-US" sz="1200">
+                <a:solidFill>
+                  <a:srgbClr val="00B0F0"/>
+                </a:solidFill>
+              </a:rPr>
+              <a:t>二</a:t>
+            </a:r>
+            <a:endParaRPr lang="en-US" sz="1200" dirty="0">
+              <a:solidFill>
+                <a:srgbClr val="00B0F0"/>
+              </a:solidFill>
+            </a:endParaRPr>
+          </a:p>
+        </p:txBody>
+      </p:sp>
+      <p:sp>
+        <p:nvSpPr>
+          <p:cNvPr id="7" name="TextBox 6">
+            <a:extLst>
+              <a:ext uri="{FF2B5EF4-FFF2-40B4-BE49-F238E27FC236}">
+                <a16:creationId xmlns:a16="http://schemas.microsoft.com/office/drawing/2014/main" id="{91029EE9-ED2B-1B4A-9009-93A7EF93E5BD}"/>
+              </a:ext>
+            </a:extLst>
+          </p:cNvPr>
+          <p:cNvSpPr txBox="1"/>
+          <p:nvPr/>
+        </p:nvSpPr>
+        <p:spPr>
+          <a:xfrm>
+            <a:off x="4419600" y="3651504"/>
+            <a:ext cx="153888" cy="184666"/>
+          </a:xfrm>
+          <a:prstGeom prst="rect">
+            <a:avLst/>
+          </a:prstGeom>
+          <a:noFill/>
+        </p:spPr>
+        <p:txBody>
+          <a:bodyPr wrap="none" lIns="0" tIns="0" rIns="0" bIns="0" rtlCol="0">
+            <a:spAutoFit/>
+          </a:bodyPr>
+          <a:lstStyle/>
+          <a:p>
+            <a:r>
+              <a:rPr lang="ja-JP" altLang="en-US" sz="1200">
+                <a:solidFill>
+                  <a:srgbClr val="00B0F0"/>
+                </a:solidFill>
+              </a:rPr>
+              <a:t>三</a:t>
+            </a:r>
+            <a:endParaRPr lang="en-US" sz="1200" dirty="0">
+              <a:solidFill>
+                <a:srgbClr val="00B0F0"/>
+              </a:solidFill>
+            </a:endParaRPr>
+          </a:p>
+        </p:txBody>
+      </p:sp>
+      <p:sp>
+        <p:nvSpPr>
+          <p:cNvPr id="8" name="TextBox 7">
+            <a:extLst>
+              <a:ext uri="{FF2B5EF4-FFF2-40B4-BE49-F238E27FC236}">
+                <a16:creationId xmlns:a16="http://schemas.microsoft.com/office/drawing/2014/main" id="{1D6CFF2A-4B33-E649-9E30-DF4B81ECDD86}"/>
+              </a:ext>
+            </a:extLst>
+          </p:cNvPr>
+          <p:cNvSpPr txBox="1"/>
+          <p:nvPr/>
+        </p:nvSpPr>
+        <p:spPr>
+          <a:xfrm>
+            <a:off x="4710176" y="3651504"/>
+            <a:ext cx="153888" cy="184666"/>
+          </a:xfrm>
+          <a:prstGeom prst="rect">
+            <a:avLst/>
+          </a:prstGeom>
+          <a:noFill/>
+        </p:spPr>
+        <p:txBody>
+          <a:bodyPr wrap="none" lIns="0" tIns="0" rIns="0" bIns="0" rtlCol="0">
+            <a:spAutoFit/>
+          </a:bodyPr>
+          <a:lstStyle/>
+          <a:p>
+            <a:r>
+              <a:rPr lang="ja-JP" altLang="en-US" sz="1200">
+                <a:solidFill>
+                  <a:srgbClr val="00B0F0"/>
+                </a:solidFill>
+              </a:rPr>
+              <a:t>四</a:t>
+            </a:r>
+            <a:endParaRPr lang="en-US" sz="1200" dirty="0">
+              <a:solidFill>
+                <a:srgbClr val="00B0F0"/>
+              </a:solidFill>
+            </a:endParaRPr>
+          </a:p>
+        </p:txBody>
+      </p:sp>
+      <p:sp>
+        <p:nvSpPr>
+          <p:cNvPr id="9" name="TextBox 8">
+            <a:extLst>
+              <a:ext uri="{FF2B5EF4-FFF2-40B4-BE49-F238E27FC236}">
+                <a16:creationId xmlns:a16="http://schemas.microsoft.com/office/drawing/2014/main" id="{EC0065D5-6CE6-AD4A-BB97-1687837C2532}"/>
+              </a:ext>
+            </a:extLst>
+          </p:cNvPr>
+          <p:cNvSpPr txBox="1"/>
+          <p:nvPr/>
+        </p:nvSpPr>
+        <p:spPr>
+          <a:xfrm>
+            <a:off x="5000752" y="3651504"/>
+            <a:ext cx="153888" cy="184666"/>
+          </a:xfrm>
+          <a:prstGeom prst="rect">
+            <a:avLst/>
+          </a:prstGeom>
+          <a:noFill/>
+        </p:spPr>
+        <p:txBody>
+          <a:bodyPr wrap="none" lIns="0" tIns="0" rIns="0" bIns="0" rtlCol="0">
+            <a:spAutoFit/>
+          </a:bodyPr>
+          <a:lstStyle/>
+          <a:p>
+            <a:r>
+              <a:rPr lang="ja-JP" altLang="en-US" sz="1200">
+                <a:solidFill>
+                  <a:srgbClr val="00B0F0"/>
+                </a:solidFill>
+              </a:rPr>
+              <a:t>五</a:t>
+            </a:r>
+            <a:endParaRPr lang="en-US" sz="1200" dirty="0">
+              <a:solidFill>
+                <a:srgbClr val="00B0F0"/>
+              </a:solidFill>
+            </a:endParaRPr>
+          </a:p>
+        </p:txBody>
+      </p:sp>
+      <p:sp>
+        <p:nvSpPr>
+          <p:cNvPr id="10" name="TextBox 9">
+            <a:extLst>
+              <a:ext uri="{FF2B5EF4-FFF2-40B4-BE49-F238E27FC236}">
+                <a16:creationId xmlns:a16="http://schemas.microsoft.com/office/drawing/2014/main" id="{728D4F69-0C5D-9040-A96A-E0590D55D807}"/>
+              </a:ext>
+            </a:extLst>
+          </p:cNvPr>
+          <p:cNvSpPr txBox="1"/>
+          <p:nvPr/>
+        </p:nvSpPr>
+        <p:spPr>
+          <a:xfrm>
+            <a:off x="5291328" y="3651504"/>
+            <a:ext cx="153888" cy="184666"/>
+          </a:xfrm>
+          <a:prstGeom prst="rect">
+            <a:avLst/>
+          </a:prstGeom>
+          <a:noFill/>
+        </p:spPr>
+        <p:txBody>
+          <a:bodyPr wrap="none" lIns="0" tIns="0" rIns="0" bIns="0" rtlCol="0">
+            <a:spAutoFit/>
+          </a:bodyPr>
+          <a:lstStyle/>
+          <a:p>
+            <a:r>
+              <a:rPr lang="ja-JP" altLang="en-US" sz="1200">
+                <a:solidFill>
+                  <a:srgbClr val="00B0F0"/>
+                </a:solidFill>
+              </a:rPr>
+              <a:t>六</a:t>
+            </a:r>
+            <a:endParaRPr lang="en-US" sz="1200" dirty="0">
+              <a:solidFill>
+                <a:srgbClr val="00B0F0"/>
+              </a:solidFill>
+            </a:endParaRPr>
+          </a:p>
+        </p:txBody>
+      </p:sp>
+      <p:sp>
+        <p:nvSpPr>
+          <p:cNvPr id="11" name="TextBox 10">
+            <a:extLst>
+              <a:ext uri="{FF2B5EF4-FFF2-40B4-BE49-F238E27FC236}">
+                <a16:creationId xmlns:a16="http://schemas.microsoft.com/office/drawing/2014/main" id="{703A0588-72DA-3541-8EB7-73E3510DF225}"/>
+              </a:ext>
+            </a:extLst>
+          </p:cNvPr>
+          <p:cNvSpPr txBox="1"/>
+          <p:nvPr/>
+        </p:nvSpPr>
+        <p:spPr>
+          <a:xfrm>
+            <a:off x="3578352" y="4035552"/>
+            <a:ext cx="84960" cy="184666"/>
+          </a:xfrm>
+          <a:prstGeom prst="rect">
+            <a:avLst/>
+          </a:prstGeom>
+          <a:noFill/>
+        </p:spPr>
+        <p:txBody>
+          <a:bodyPr wrap="none" lIns="0" tIns="0" rIns="0" bIns="0" rtlCol="0">
+            <a:spAutoFit/>
+          </a:bodyPr>
+          <a:lstStyle/>
+          <a:p>
+            <a:r>
+              <a:rPr lang="en-US" altLang="zh-CN" sz="1200" dirty="0"/>
+              <a:t>8</a:t>
+            </a:r>
+            <a:endParaRPr lang="en-US" sz="1200" dirty="0"/>
+          </a:p>
+        </p:txBody>
+      </p:sp>
+    </p:spTree>
+    <p:extLst>
+      <p:ext uri="{BB962C8B-B14F-4D97-AF65-F5344CB8AC3E}">
+        <p14:creationId xmlns:p14="http://schemas.microsoft.com/office/powerpoint/2010/main" val="1178996741"/>
       </p:ext>
     </p:extLst>
   </p:cSld>
